--- a/docs/chap6_slide.pptx
+++ b/docs/chap6_slide.pptx
@@ -27,6 +27,7 @@
     <p:sldId id="275" r:id="rId21"/>
     <p:sldId id="276" r:id="rId22"/>
     <p:sldId id="277" r:id="rId23"/>
+    <p:sldId id="278" r:id="rId24"/>
   </p:sldIdLst>
   <p:sldSz cx="9144000" cy="5143500" type="screen16x9"/>
   <p:notesSz cx="6858000" cy="9144000"/>
@@ -3215,6 +3216,271 @@
             </a:pPr>
             <a:r>
               <a:rPr/>
+              <a:t>6.2 二项分布</a:t>
+            </a:r>
+          </a:p>
+        </p:txBody>
+      </p:sp>
+      <p:sp>
+        <p:nvSpPr>
+          <p:cNvPr id="3" name="Content Placeholder 2"/>
+          <p:cNvSpPr>
+            <a:spLocks noGrp="1"/>
+          </p:cNvSpPr>
+          <p:nvPr>
+            <p:ph idx="1"/>
+          </p:nvPr>
+        </p:nvSpPr>
+        <p:spPr/>
+        <p:txBody>
+          <a:bodyPr/>
+          <a:lstStyle/>
+          <a:p>
+            <a:pPr lvl="0"/>
+            <a:r>
+              <a:rPr/>
+              <a:t>6.2.1 二项分布的性质</a:t>
+            </a:r>
+          </a:p>
+          <a:p>
+            <a:pPr lvl="0"/>
+            <a:r>
+              <a:rPr/>
+              <a:t>6.2.2 Excel计算二项分布的取值概率</a:t>
+            </a:r>
+          </a:p>
+          <a:p>
+            <a:pPr lvl="0"/>
+            <a:r>
+              <a:rPr/>
+              <a:t>6.2.3 Excel绘制二项分布的图像</a:t>
+            </a:r>
+            <a:br/>
+          </a:p>
+        </p:txBody>
+      </p:sp>
+    </p:spTree>
+  </p:cSld>
+  <p:timing>
+    <p:tnLst>
+      <p:par>
+        <p:cTn id="1" dur="indefinite" restart="never" nodeType="tmRoot">
+          <p:childTnLst>
+            <p:seq concurrent="1" nextAc="seek">
+              <p:cTn id="2" dur="indefinite" nodeType="mainSeq">
+                <p:childTnLst>
+                  <p:par>
+                    <p:cTn id="3" fill="hold">
+                      <p:stCondLst>
+                        <p:cond delay="indefinite"/>
+                      </p:stCondLst>
+                      <p:childTnLst>
+                        <p:par>
+                          <p:cTn id="4" fill="hold">
+                            <p:stCondLst>
+                              <p:cond delay="0"/>
+                            </p:stCondLst>
+                            <p:childTnLst>
+                              <p:par>
+                                <p:cTn id="5" presetID="1" presetClass="entr" presetSubtype="0" fill="hold" grpId="0" nodeType="clickEffect">
+                                  <p:stCondLst>
+                                    <p:cond delay="0"/>
+                                  </p:stCondLst>
+                                  <p:childTnLst>
+                                    <p:set>
+                                      <p:cBhvr>
+                                        <p:cTn id="6" dur="1" fill="hold">
+                                          <p:stCondLst>
+                                            <p:cond delay="0"/>
+                                          </p:stCondLst>
+                                        </p:cTn>
+                                        <p:tgtEl>
+                                          <p:spTgt spid="3">
+                                            <p:txEl>
+                                              <p:pRg st="0" end="0"/>
+                                            </p:txEl>
+                                          </p:spTgt>
+                                        </p:tgtEl>
+                                        <p:attrNameLst>
+                                          <p:attrName>style.visibility</p:attrName>
+                                        </p:attrNameLst>
+                                      </p:cBhvr>
+                                      <p:to>
+                                        <p:strVal val="visible"/>
+                                      </p:to>
+                                    </p:set>
+                                  </p:childTnLst>
+                                </p:cTn>
+                              </p:par>
+                            </p:childTnLst>
+                          </p:cTn>
+                        </p:par>
+                      </p:childTnLst>
+                    </p:cTn>
+                  </p:par>
+                  <p:par>
+                    <p:cTn id="7" fill="hold">
+                      <p:stCondLst>
+                        <p:cond delay="indefinite"/>
+                      </p:stCondLst>
+                      <p:childTnLst>
+                        <p:par>
+                          <p:cTn id="8" fill="hold">
+                            <p:stCondLst>
+                              <p:cond delay="0"/>
+                            </p:stCondLst>
+                            <p:childTnLst>
+                              <p:par>
+                                <p:cTn id="9" presetID="1" presetClass="entr" presetSubtype="0" fill="hold" grpId="0" nodeType="clickEffect">
+                                  <p:stCondLst>
+                                    <p:cond delay="0"/>
+                                  </p:stCondLst>
+                                  <p:childTnLst>
+                                    <p:set>
+                                      <p:cBhvr>
+                                        <p:cTn id="10" dur="1" fill="hold">
+                                          <p:stCondLst>
+                                            <p:cond delay="0"/>
+                                          </p:stCondLst>
+                                        </p:cTn>
+                                        <p:tgtEl>
+                                          <p:spTgt spid="3">
+                                            <p:txEl>
+                                              <p:pRg st="1" end="1"/>
+                                            </p:txEl>
+                                          </p:spTgt>
+                                        </p:tgtEl>
+                                        <p:attrNameLst>
+                                          <p:attrName>style.visibility</p:attrName>
+                                        </p:attrNameLst>
+                                      </p:cBhvr>
+                                      <p:to>
+                                        <p:strVal val="visible"/>
+                                      </p:to>
+                                    </p:set>
+                                  </p:childTnLst>
+                                </p:cTn>
+                              </p:par>
+                            </p:childTnLst>
+                          </p:cTn>
+                        </p:par>
+                      </p:childTnLst>
+                    </p:cTn>
+                  </p:par>
+                  <p:par>
+                    <p:cTn id="11" fill="hold">
+                      <p:stCondLst>
+                        <p:cond delay="indefinite"/>
+                      </p:stCondLst>
+                      <p:childTnLst>
+                        <p:par>
+                          <p:cTn id="12" fill="hold">
+                            <p:stCondLst>
+                              <p:cond delay="0"/>
+                            </p:stCondLst>
+                            <p:childTnLst>
+                              <p:par>
+                                <p:cTn id="13" presetID="1" presetClass="entr" presetSubtype="0" fill="hold" grpId="0" nodeType="clickEffect">
+                                  <p:stCondLst>
+                                    <p:cond delay="0"/>
+                                  </p:stCondLst>
+                                  <p:childTnLst>
+                                    <p:set>
+                                      <p:cBhvr>
+                                        <p:cTn id="14" dur="1" fill="hold">
+                                          <p:stCondLst>
+                                            <p:cond delay="0"/>
+                                          </p:stCondLst>
+                                        </p:cTn>
+                                        <p:tgtEl>
+                                          <p:spTgt spid="3">
+                                            <p:txEl>
+                                              <p:pRg st="2" end="2"/>
+                                            </p:txEl>
+                                          </p:spTgt>
+                                        </p:tgtEl>
+                                        <p:attrNameLst>
+                                          <p:attrName>style.visibility</p:attrName>
+                                        </p:attrNameLst>
+                                      </p:cBhvr>
+                                      <p:to>
+                                        <p:strVal val="visible"/>
+                                      </p:to>
+                                    </p:set>
+                                  </p:childTnLst>
+                                </p:cTn>
+                              </p:par>
+                            </p:childTnLst>
+                          </p:cTn>
+                        </p:par>
+                      </p:childTnLst>
+                    </p:cTn>
+                  </p:par>
+                </p:childTnLst>
+              </p:cTn>
+              <p:prevCondLst>
+                <p:cond evt="onPrev" delay="0">
+                  <p:tgtEl>
+                    <p:sldTgt/>
+                  </p:tgtEl>
+                </p:cond>
+              </p:prevCondLst>
+              <p:nextCondLst>
+                <p:cond evt="onNext" delay="0">
+                  <p:tgtEl>
+                    <p:sldTgt/>
+                  </p:tgtEl>
+                </p:cond>
+              </p:nextCondLst>
+            </p:seq>
+          </p:childTnLst>
+        </p:cTn>
+      </p:par>
+    </p:tnLst>
+    <p:bldLst>
+      <p:bldP spid="3" grpId="0" uiExpand="1" build="p"/>
+    </p:bldLst>
+  </p:timing>
+</p:sld>
+</file>
+
+<file path=ppt/slides/slide11.xml><?xml version="1.0" encoding="utf-8"?>
+<p:sld xmlns:a="http://schemas.openxmlformats.org/drawingml/2006/main" xmlns:r="http://schemas.openxmlformats.org/officeDocument/2006/relationships" xmlns:p="http://schemas.openxmlformats.org/presentationml/2006/main">
+  <p:cSld>
+    <p:spTree>
+      <p:nvGrpSpPr>
+        <p:cNvPr id="1" name=""/>
+        <p:cNvGrpSpPr/>
+        <p:nvPr/>
+      </p:nvGrpSpPr>
+      <p:grpSpPr>
+        <a:xfrm>
+          <a:off x="0" y="0"/>
+          <a:ext cx="0" cy="0"/>
+          <a:chOff x="0" y="0"/>
+          <a:chExt cx="0" cy="0"/>
+        </a:xfrm>
+      </p:grpSpPr>
+      <p:sp>
+        <p:nvSpPr>
+          <p:cNvPr id="2" name="Title 1"/>
+          <p:cNvSpPr>
+            <a:spLocks noGrp="1"/>
+          </p:cNvSpPr>
+          <p:nvPr>
+            <p:ph type="title"/>
+          </p:nvPr>
+        </p:nvSpPr>
+        <p:spPr/>
+        <p:txBody>
+          <a:bodyPr/>
+          <a:lstStyle/>
+          <a:p>
+            <a:pPr lvl="0" indent="0" marL="0">
+              <a:buNone/>
+            </a:pPr>
+            <a:r>
+              <a:rPr/>
               <a:t>6.2.1 二项分布的性质</a:t>
             </a:r>
           </a:p>
@@ -3262,7 +3528,7 @@
 </p:sld>
 </file>
 
-<file path=ppt/slides/slide11.xml><?xml version="1.0" encoding="utf-8"?>
+<file path=ppt/slides/slide12.xml><?xml version="1.0" encoding="utf-8"?>
 <p:sld xmlns:a="http://schemas.openxmlformats.org/drawingml/2006/main" xmlns:r="http://schemas.openxmlformats.org/officeDocument/2006/relationships" xmlns:p="http://schemas.openxmlformats.org/presentationml/2006/main">
   <p:cSld>
     <p:spTree>
@@ -3339,7 +3605,7 @@
 </p:sld>
 </file>
 
-<file path=ppt/slides/slide12.xml><?xml version="1.0" encoding="utf-8"?>
+<file path=ppt/slides/slide13.xml><?xml version="1.0" encoding="utf-8"?>
 <p:sld xmlns:a="http://schemas.openxmlformats.org/drawingml/2006/main" xmlns:r="http://schemas.openxmlformats.org/officeDocument/2006/relationships" xmlns:p="http://schemas.openxmlformats.org/presentationml/2006/main">
   <p:cSld>
     <p:spTree>
@@ -3416,7 +3682,7 @@
 </p:sld>
 </file>
 
-<file path=ppt/slides/slide13.xml><?xml version="1.0" encoding="utf-8"?>
+<file path=ppt/slides/slide14.xml><?xml version="1.0" encoding="utf-8"?>
 <p:sld xmlns:a="http://schemas.openxmlformats.org/drawingml/2006/main" xmlns:r="http://schemas.openxmlformats.org/officeDocument/2006/relationships" xmlns:p="http://schemas.openxmlformats.org/presentationml/2006/main">
   <p:cSld>
     <p:spTree>
@@ -3486,7 +3752,7 @@
 </p:sld>
 </file>
 
-<file path=ppt/slides/slide14.xml><?xml version="1.0" encoding="utf-8"?>
+<file path=ppt/slides/slide15.xml><?xml version="1.0" encoding="utf-8"?>
 <p:sld xmlns:a="http://schemas.openxmlformats.org/drawingml/2006/main" xmlns:r="http://schemas.openxmlformats.org/officeDocument/2006/relationships" xmlns:p="http://schemas.openxmlformats.org/presentationml/2006/main">
   <p:cSld>
     <p:spTree>
@@ -3563,7 +3829,7 @@
 </p:sld>
 </file>
 
-<file path=ppt/slides/slide15.xml><?xml version="1.0" encoding="utf-8"?>
+<file path=ppt/slides/slide16.xml><?xml version="1.0" encoding="utf-8"?>
 <p:sld xmlns:a="http://schemas.openxmlformats.org/drawingml/2006/main" xmlns:r="http://schemas.openxmlformats.org/officeDocument/2006/relationships" xmlns:p="http://schemas.openxmlformats.org/presentationml/2006/main">
   <p:cSld>
     <p:spTree>
@@ -3884,7 +4150,7 @@
 </p:sld>
 </file>
 
-<file path=ppt/slides/slide16.xml><?xml version="1.0" encoding="utf-8"?>
+<file path=ppt/slides/slide17.xml><?xml version="1.0" encoding="utf-8"?>
 <p:sld xmlns:a="http://schemas.openxmlformats.org/drawingml/2006/main" xmlns:r="http://schemas.openxmlformats.org/officeDocument/2006/relationships" xmlns:p="http://schemas.openxmlformats.org/presentationml/2006/main">
   <p:cSld>
     <p:spTree>
@@ -3975,7 +4241,7 @@
 </p:sld>
 </file>
 
-<file path=ppt/slides/slide17.xml><?xml version="1.0" encoding="utf-8"?>
+<file path=ppt/slides/slide18.xml><?xml version="1.0" encoding="utf-8"?>
 <p:sld xmlns:a="http://schemas.openxmlformats.org/drawingml/2006/main" xmlns:r="http://schemas.openxmlformats.org/officeDocument/2006/relationships" xmlns:p="http://schemas.openxmlformats.org/presentationml/2006/main">
   <p:cSld>
     <p:spTree>
@@ -4052,7 +4318,7 @@
 </p:sld>
 </file>
 
-<file path=ppt/slides/slide18.xml><?xml version="1.0" encoding="utf-8"?>
+<file path=ppt/slides/slide19.xml><?xml version="1.0" encoding="utf-8"?>
 <p:sld xmlns:a="http://schemas.openxmlformats.org/drawingml/2006/main" xmlns:r="http://schemas.openxmlformats.org/officeDocument/2006/relationships" xmlns:p="http://schemas.openxmlformats.org/presentationml/2006/main">
   <p:cSld>
     <p:spTree>
@@ -4112,83 +4378,6 @@
           <a:xfrm>
             <a:off x="482600" y="1193800"/>
             <a:ext cx="8191500" cy="3390900"/>
-          </a:xfrm>
-          <a:prstGeom prst="rect">
-            <a:avLst/>
-          </a:prstGeom>
-          <a:noFill/>
-          <a:ln w="9525">
-            <a:noFill/>
-            <a:headEnd/>
-            <a:tailEnd/>
-          </a:ln>
-        </p:spPr>
-      </p:pic>
-    </p:spTree>
-  </p:cSld>
-</p:sld>
-</file>
-
-<file path=ppt/slides/slide19.xml><?xml version="1.0" encoding="utf-8"?>
-<p:sld xmlns:a="http://schemas.openxmlformats.org/drawingml/2006/main" xmlns:r="http://schemas.openxmlformats.org/officeDocument/2006/relationships" xmlns:p="http://schemas.openxmlformats.org/presentationml/2006/main">
-  <p:cSld>
-    <p:spTree>
-      <p:nvGrpSpPr>
-        <p:cNvPr id="1" name=""/>
-        <p:cNvGrpSpPr/>
-        <p:nvPr/>
-      </p:nvGrpSpPr>
-      <p:grpSpPr>
-        <a:xfrm>
-          <a:off x="0" y="0"/>
-          <a:ext cx="0" cy="0"/>
-          <a:chOff x="0" y="0"/>
-          <a:chExt cx="0" cy="0"/>
-        </a:xfrm>
-      </p:grpSpPr>
-      <p:sp>
-        <p:nvSpPr>
-          <p:cNvPr id="2" name="Title 1"/>
-          <p:cNvSpPr>
-            <a:spLocks noGrp="1"/>
-          </p:cNvSpPr>
-          <p:nvPr>
-            <p:ph type="title"/>
-          </p:nvPr>
-        </p:nvSpPr>
-        <p:spPr/>
-        <p:txBody>
-          <a:bodyPr/>
-          <a:lstStyle/>
-          <a:p>
-            <a:pPr lvl="0" indent="0" marL="0">
-              <a:buNone/>
-            </a:pPr>
-            <a:r>
-              <a:rPr/>
-              <a:t>6.3.2 泊松分布与二项分布的关系</a:t>
-            </a:r>
-          </a:p>
-        </p:txBody>
-      </p:sp>
-      <p:pic>
-        <p:nvPicPr>
-          <p:cNvPr descr="img/eq6.16.png" id="0" name="Picture 1"/>
-          <p:cNvPicPr>
-            <a:picLocks noGrp="1" noChangeAspect="1"/>
-          </p:cNvPicPr>
-          <p:nvPr/>
-        </p:nvPicPr>
-        <p:blipFill>
-          <a:blip r:embed="rId2"/>
-          <a:stretch>
-            <a:fillRect/>
-          </a:stretch>
-        </p:blipFill>
-        <p:spPr bwMode="auto">
-          <a:xfrm>
-            <a:off x="457200" y="1308100"/>
-            <a:ext cx="8229600" cy="3149600"/>
           </a:xfrm>
           <a:prstGeom prst="rect">
             <a:avLst/>
@@ -4507,40 +4696,117 @@
             </a:pPr>
             <a:r>
               <a:rPr/>
-              <a:t>6.3.3 Excel计算泊松分布的取值概率</a:t>
-            </a:r>
-          </a:p>
-        </p:txBody>
-      </p:sp>
-      <p:sp>
-        <p:nvSpPr>
-          <p:cNvPr id="3" name="Content Placeholder 2"/>
-          <p:cNvSpPr>
-            <a:spLocks noGrp="1"/>
-          </p:cNvSpPr>
-          <p:nvPr>
-            <p:ph idx="1"/>
-          </p:nvPr>
-        </p:nvSpPr>
-        <p:spPr/>
-        <p:txBody>
-          <a:bodyPr/>
-          <a:lstStyle/>
-          <a:p>
-            <a:pPr lvl="0"/>
-            <a:r>
-              <a:rPr/>
-              <a:t>POISSON.DIST函数</a:t>
-            </a:r>
-          </a:p>
-        </p:txBody>
-      </p:sp>
+              <a:t>6.3.2 泊松分布与二项分布的关系</a:t>
+            </a:r>
+          </a:p>
+        </p:txBody>
+      </p:sp>
+      <p:pic>
+        <p:nvPicPr>
+          <p:cNvPr descr="img/eq6.16.png" id="0" name="Picture 1"/>
+          <p:cNvPicPr>
+            <a:picLocks noGrp="1" noChangeAspect="1"/>
+          </p:cNvPicPr>
+          <p:nvPr/>
+        </p:nvPicPr>
+        <p:blipFill>
+          <a:blip r:embed="rId2"/>
+          <a:stretch>
+            <a:fillRect/>
+          </a:stretch>
+        </p:blipFill>
+        <p:spPr bwMode="auto">
+          <a:xfrm>
+            <a:off x="457200" y="1308100"/>
+            <a:ext cx="8229600" cy="3149600"/>
+          </a:xfrm>
+          <a:prstGeom prst="rect">
+            <a:avLst/>
+          </a:prstGeom>
+          <a:noFill/>
+          <a:ln w="9525">
+            <a:noFill/>
+            <a:headEnd/>
+            <a:tailEnd/>
+          </a:ln>
+        </p:spPr>
+      </p:pic>
     </p:spTree>
   </p:cSld>
 </p:sld>
 </file>
 
 <file path=ppt/slides/slide21.xml><?xml version="1.0" encoding="utf-8"?>
+<p:sld xmlns:a="http://schemas.openxmlformats.org/drawingml/2006/main" xmlns:r="http://schemas.openxmlformats.org/officeDocument/2006/relationships" xmlns:p="http://schemas.openxmlformats.org/presentationml/2006/main">
+  <p:cSld>
+    <p:spTree>
+      <p:nvGrpSpPr>
+        <p:cNvPr id="1" name=""/>
+        <p:cNvGrpSpPr/>
+        <p:nvPr/>
+      </p:nvGrpSpPr>
+      <p:grpSpPr>
+        <a:xfrm>
+          <a:off x="0" y="0"/>
+          <a:ext cx="0" cy="0"/>
+          <a:chOff x="0" y="0"/>
+          <a:chExt cx="0" cy="0"/>
+        </a:xfrm>
+      </p:grpSpPr>
+      <p:sp>
+        <p:nvSpPr>
+          <p:cNvPr id="2" name="Title 1"/>
+          <p:cNvSpPr>
+            <a:spLocks noGrp="1"/>
+          </p:cNvSpPr>
+          <p:nvPr>
+            <p:ph type="title"/>
+          </p:nvPr>
+        </p:nvSpPr>
+        <p:spPr/>
+        <p:txBody>
+          <a:bodyPr/>
+          <a:lstStyle/>
+          <a:p>
+            <a:pPr lvl="0" indent="0" marL="0">
+              <a:buNone/>
+            </a:pPr>
+            <a:r>
+              <a:rPr/>
+              <a:t>6.3.3 Excel计算泊松分布的取值概率</a:t>
+            </a:r>
+          </a:p>
+        </p:txBody>
+      </p:sp>
+      <p:sp>
+        <p:nvSpPr>
+          <p:cNvPr id="3" name="Content Placeholder 2"/>
+          <p:cNvSpPr>
+            <a:spLocks noGrp="1"/>
+          </p:cNvSpPr>
+          <p:nvPr>
+            <p:ph idx="1"/>
+          </p:nvPr>
+        </p:nvSpPr>
+        <p:spPr/>
+        <p:txBody>
+          <a:bodyPr/>
+          <a:lstStyle/>
+          <a:p>
+            <a:pPr lvl="0"/>
+            <a:r>
+              <a:rPr/>
+              <a:t>POISSON.DIST函数</a:t>
+            </a:r>
+          </a:p>
+        </p:txBody>
+      </p:sp>
+    </p:spTree>
+  </p:cSld>
+</p:sld>
+</file>
+
+<file path=ppt/slides/slide22.xml><?xml version="1.0" encoding="utf-8"?>
 <p:sld xmlns:a="http://schemas.openxmlformats.org/drawingml/2006/main" xmlns:r="http://schemas.openxmlformats.org/officeDocument/2006/relationships" xmlns:p="http://schemas.openxmlformats.org/presentationml/2006/main">
   <p:cSld>
     <p:spTree>
@@ -4647,7 +4913,7 @@
 </p:sld>
 </file>
 
-<file path=ppt/slides/slide22.xml><?xml version="1.0" encoding="utf-8"?>
+<file path=ppt/slides/slide23.xml><?xml version="1.0" encoding="utf-8"?>
 <p:sld xmlns:a="http://schemas.openxmlformats.org/drawingml/2006/main" xmlns:r="http://schemas.openxmlformats.org/officeDocument/2006/relationships" xmlns:p="http://schemas.openxmlformats.org/presentationml/2006/main">
   <p:cSld>
     <p:spTree>
@@ -5417,12 +5683,57 @@
           <a:bodyPr/>
           <a:lstStyle/>
           <a:p>
-            <a:pPr lvl="0" indent="0" marL="0">
-              <a:buNone/>
-            </a:pPr>
+            <a:pPr lvl="0"/>
             <a:r>
               <a:rPr/>
               <a:t>离散型随机变量变量的期望（Expected Value，或者Expectance）代表了随机变量分布的中心，将随机变量的某个取值乘以取该值的概率，这些乘积项的和等于期望。</a:t>
+            </a:r>
+          </a:p>
+        </p:txBody>
+      </p:sp>
+    </p:spTree>
+  </p:cSld>
+</p:sld>
+</file>
+
+<file path=ppt/slides/slide8.xml><?xml version="1.0" encoding="utf-8"?>
+<p:sld xmlns:a="http://schemas.openxmlformats.org/drawingml/2006/main" xmlns:r="http://schemas.openxmlformats.org/officeDocument/2006/relationships" xmlns:p="http://schemas.openxmlformats.org/presentationml/2006/main">
+  <p:cSld>
+    <p:spTree>
+      <p:nvGrpSpPr>
+        <p:cNvPr id="1" name=""/>
+        <p:cNvGrpSpPr/>
+        <p:nvPr/>
+      </p:nvGrpSpPr>
+      <p:grpSpPr>
+        <a:xfrm>
+          <a:off x="0" y="0"/>
+          <a:ext cx="0" cy="0"/>
+          <a:chOff x="0" y="0"/>
+          <a:chExt cx="0" cy="0"/>
+        </a:xfrm>
+      </p:grpSpPr>
+      <p:sp>
+        <p:nvSpPr>
+          <p:cNvPr id="2" name="Title 1"/>
+          <p:cNvSpPr>
+            <a:spLocks noGrp="1"/>
+          </p:cNvSpPr>
+          <p:nvPr>
+            <p:ph type="title"/>
+          </p:nvPr>
+        </p:nvSpPr>
+        <p:spPr/>
+        <p:txBody>
+          <a:bodyPr/>
+          <a:lstStyle/>
+          <a:p>
+            <a:pPr lvl="0" indent="0" marL="0">
+              <a:buNone/>
+            </a:pPr>
+            <a:r>
+              <a:rPr/>
+              <a:t>6.1.4 离散型随机变量的期望和方差</a:t>
             </a:r>
           </a:p>
         </p:txBody>
@@ -5492,7 +5803,7 @@
 </p:sld>
 </file>
 
-<file path=ppt/slides/slide8.xml><?xml version="1.0" encoding="utf-8"?>
+<file path=ppt/slides/slide9.xml><?xml version="1.0" encoding="utf-8"?>
 <p:sld xmlns:a="http://schemas.openxmlformats.org/drawingml/2006/main" xmlns:r="http://schemas.openxmlformats.org/officeDocument/2006/relationships" xmlns:p="http://schemas.openxmlformats.org/presentationml/2006/main">
   <p:cSld>
     <p:spTree>
@@ -5596,271 +5907,6 @@
       </p:sp>
     </p:spTree>
   </p:cSld>
-</p:sld>
-</file>
-
-<file path=ppt/slides/slide9.xml><?xml version="1.0" encoding="utf-8"?>
-<p:sld xmlns:a="http://schemas.openxmlformats.org/drawingml/2006/main" xmlns:r="http://schemas.openxmlformats.org/officeDocument/2006/relationships" xmlns:p="http://schemas.openxmlformats.org/presentationml/2006/main">
-  <p:cSld>
-    <p:spTree>
-      <p:nvGrpSpPr>
-        <p:cNvPr id="1" name=""/>
-        <p:cNvGrpSpPr/>
-        <p:nvPr/>
-      </p:nvGrpSpPr>
-      <p:grpSpPr>
-        <a:xfrm>
-          <a:off x="0" y="0"/>
-          <a:ext cx="0" cy="0"/>
-          <a:chOff x="0" y="0"/>
-          <a:chExt cx="0" cy="0"/>
-        </a:xfrm>
-      </p:grpSpPr>
-      <p:sp>
-        <p:nvSpPr>
-          <p:cNvPr id="2" name="Title 1"/>
-          <p:cNvSpPr>
-            <a:spLocks noGrp="1"/>
-          </p:cNvSpPr>
-          <p:nvPr>
-            <p:ph type="title"/>
-          </p:nvPr>
-        </p:nvSpPr>
-        <p:spPr/>
-        <p:txBody>
-          <a:bodyPr/>
-          <a:lstStyle/>
-          <a:p>
-            <a:pPr lvl="0" indent="0" marL="0">
-              <a:buNone/>
-            </a:pPr>
-            <a:r>
-              <a:rPr/>
-              <a:t>6.2 二项分布</a:t>
-            </a:r>
-          </a:p>
-        </p:txBody>
-      </p:sp>
-      <p:sp>
-        <p:nvSpPr>
-          <p:cNvPr id="3" name="Content Placeholder 2"/>
-          <p:cNvSpPr>
-            <a:spLocks noGrp="1"/>
-          </p:cNvSpPr>
-          <p:nvPr>
-            <p:ph idx="1"/>
-          </p:nvPr>
-        </p:nvSpPr>
-        <p:spPr/>
-        <p:txBody>
-          <a:bodyPr/>
-          <a:lstStyle/>
-          <a:p>
-            <a:pPr lvl="0"/>
-            <a:r>
-              <a:rPr/>
-              <a:t>6.2.1 二项分布的性质</a:t>
-            </a:r>
-          </a:p>
-          <a:p>
-            <a:pPr lvl="0"/>
-            <a:r>
-              <a:rPr/>
-              <a:t>6.2.2 Excel计算二项分布的取值概率</a:t>
-            </a:r>
-          </a:p>
-          <a:p>
-            <a:pPr lvl="0"/>
-            <a:r>
-              <a:rPr/>
-              <a:t>6.2.3 Excel绘制二项分布的图像</a:t>
-            </a:r>
-            <a:br/>
-          </a:p>
-        </p:txBody>
-      </p:sp>
-    </p:spTree>
-  </p:cSld>
-  <p:timing>
-    <p:tnLst>
-      <p:par>
-        <p:cTn id="1" dur="indefinite" restart="never" nodeType="tmRoot">
-          <p:childTnLst>
-            <p:seq concurrent="1" nextAc="seek">
-              <p:cTn id="2" dur="indefinite" nodeType="mainSeq">
-                <p:childTnLst>
-                  <p:par>
-                    <p:cTn id="3" fill="hold">
-                      <p:stCondLst>
-                        <p:cond delay="indefinite"/>
-                      </p:stCondLst>
-                      <p:childTnLst>
-                        <p:par>
-                          <p:cTn id="4" fill="hold">
-                            <p:stCondLst>
-                              <p:cond delay="0"/>
-                            </p:stCondLst>
-                            <p:childTnLst>
-                              <p:par>
-                                <p:cTn id="5" presetID="1" presetClass="entr" presetSubtype="0" fill="hold" grpId="0" nodeType="clickEffect">
-                                  <p:stCondLst>
-                                    <p:cond delay="0"/>
-                                  </p:stCondLst>
-                                  <p:childTnLst>
-                                    <p:set>
-                                      <p:cBhvr>
-                                        <p:cTn id="6" dur="1" fill="hold">
-                                          <p:stCondLst>
-                                            <p:cond delay="0"/>
-                                          </p:stCondLst>
-                                        </p:cTn>
-                                        <p:tgtEl>
-                                          <p:spTgt spid="3">
-                                            <p:txEl>
-                                              <p:pRg st="0" end="0"/>
-                                            </p:txEl>
-                                          </p:spTgt>
-                                        </p:tgtEl>
-                                        <p:attrNameLst>
-                                          <p:attrName>style.visibility</p:attrName>
-                                        </p:attrNameLst>
-                                      </p:cBhvr>
-                                      <p:to>
-                                        <p:strVal val="visible"/>
-                                      </p:to>
-                                    </p:set>
-                                  </p:childTnLst>
-                                </p:cTn>
-                              </p:par>
-                            </p:childTnLst>
-                          </p:cTn>
-                        </p:par>
-                      </p:childTnLst>
-                    </p:cTn>
-                  </p:par>
-                  <p:par>
-                    <p:cTn id="7" fill="hold">
-                      <p:stCondLst>
-                        <p:cond delay="indefinite"/>
-                      </p:stCondLst>
-                      <p:childTnLst>
-                        <p:par>
-                          <p:cTn id="8" fill="hold">
-                            <p:stCondLst>
-                              <p:cond delay="0"/>
-                            </p:stCondLst>
-                            <p:childTnLst>
-                              <p:par>
-                                <p:cTn id="9" presetID="1" presetClass="entr" presetSubtype="0" fill="hold" grpId="0" nodeType="clickEffect">
-                                  <p:stCondLst>
-                                    <p:cond delay="0"/>
-                                  </p:stCondLst>
-                                  <p:childTnLst>
-                                    <p:set>
-                                      <p:cBhvr>
-                                        <p:cTn id="10" dur="1" fill="hold">
-                                          <p:stCondLst>
-                                            <p:cond delay="0"/>
-                                          </p:stCondLst>
-                                        </p:cTn>
-                                        <p:tgtEl>
-                                          <p:spTgt spid="3">
-                                            <p:txEl>
-                                              <p:pRg st="1" end="1"/>
-                                            </p:txEl>
-                                          </p:spTgt>
-                                        </p:tgtEl>
-                                        <p:attrNameLst>
-                                          <p:attrName>style.visibility</p:attrName>
-                                        </p:attrNameLst>
-                                      </p:cBhvr>
-                                      <p:to>
-                                        <p:strVal val="visible"/>
-                                      </p:to>
-                                    </p:set>
-                                  </p:childTnLst>
-                                </p:cTn>
-                              </p:par>
-                            </p:childTnLst>
-                          </p:cTn>
-                        </p:par>
-                      </p:childTnLst>
-                    </p:cTn>
-                  </p:par>
-                  <p:par>
-                    <p:cTn id="11" fill="hold">
-                      <p:stCondLst>
-                        <p:cond delay="indefinite"/>
-                      </p:stCondLst>
-                      <p:childTnLst>
-                        <p:par>
-                          <p:cTn id="12" fill="hold">
-                            <p:stCondLst>
-                              <p:cond delay="0"/>
-                            </p:stCondLst>
-                            <p:childTnLst>
-                              <p:par>
-                                <p:cTn id="13" presetID="1" presetClass="entr" presetSubtype="0" fill="hold" grpId="0" nodeType="clickEffect">
-                                  <p:stCondLst>
-                                    <p:cond delay="0"/>
-                                  </p:stCondLst>
-                                  <p:childTnLst>
-                                    <p:set>
-                                      <p:cBhvr>
-                                        <p:cTn id="14" dur="1" fill="hold">
-                                          <p:stCondLst>
-                                            <p:cond delay="0"/>
-                                          </p:stCondLst>
-                                        </p:cTn>
-                                        <p:tgtEl>
-                                          <p:spTgt spid="3">
-                                            <p:txEl>
-                                              <p:pRg st="2" end="2"/>
-                                            </p:txEl>
-                                          </p:spTgt>
-                                        </p:tgtEl>
-                                        <p:attrNameLst>
-                                          <p:attrName>style.visibility</p:attrName>
-                                        </p:attrNameLst>
-                                      </p:cBhvr>
-                                      <p:to>
-                                        <p:strVal val="visible"/>
-                                      </p:to>
-                                    </p:set>
-                                  </p:childTnLst>
-                                </p:cTn>
-                              </p:par>
-                            </p:childTnLst>
-                          </p:cTn>
-                        </p:par>
-                      </p:childTnLst>
-                    </p:cTn>
-                  </p:par>
-                </p:childTnLst>
-              </p:cTn>
-              <p:prevCondLst>
-                <p:cond evt="onPrev" delay="0">
-                  <p:tgtEl>
-                    <p:sldTgt/>
-                  </p:tgtEl>
-                </p:cond>
-              </p:prevCondLst>
-              <p:nextCondLst>
-                <p:cond evt="onNext" delay="0">
-                  <p:tgtEl>
-                    <p:sldTgt/>
-                  </p:tgtEl>
-                </p:cond>
-              </p:nextCondLst>
-            </p:seq>
-          </p:childTnLst>
-        </p:cTn>
-      </p:par>
-    </p:tnLst>
-    <p:bldLst>
-      <p:bldP spid="3" grpId="0" uiExpand="1" build="p"/>
-    </p:bldLst>
-  </p:timing>
 </p:sld>
 </file>
 
